--- a/slides/12_paketierung.pptx
+++ b/slides/12_paketierung.pptx
@@ -5,14 +5,15 @@
     <p:sldMasterId id="2147483712" r:id="rId1"/>
   </p:sldMasterIdLst>
   <p:notesMasterIdLst>
-    <p:notesMasterId r:id="rId4"/>
+    <p:notesMasterId r:id="rId5"/>
   </p:notesMasterIdLst>
   <p:handoutMasterIdLst>
-    <p:handoutMasterId r:id="rId5"/>
+    <p:handoutMasterId r:id="rId6"/>
   </p:handoutMasterIdLst>
   <p:sldIdLst>
     <p:sldId id="257" r:id="rId2"/>
     <p:sldId id="265" r:id="rId3"/>
+    <p:sldId id="266" r:id="rId4"/>
   </p:sldIdLst>
   <p:sldSz cx="12192000" cy="6858000"/>
   <p:notesSz cx="6858000" cy="9144000"/>
@@ -218,7 +219,7 @@
             <a:fld id="{764ED9EE-8F2A-4E06-87A2-36C0DD0993FD}" type="datetime1">
               <a:rPr lang="de-DE" smtClean="0"/>
               <a:pPr rtl="0"/>
-              <a:t>28.12.2020</a:t>
+              <a:t>08.01.2021</a:t>
             </a:fld>
             <a:endParaRPr lang="en-US" dirty="0"/>
           </a:p>
@@ -390,7 +391,7 @@
             <a:fld id="{A5A5ADE8-1FB8-43FD-A675-2B613EE00B6F}" type="datetime1">
               <a:rPr lang="de-DE" smtClean="0"/>
               <a:pPr rtl="0"/>
-              <a:t>28.12.2020</a:t>
+              <a:t>08.01.2021</a:t>
             </a:fld>
             <a:endParaRPr lang="en-US"/>
           </a:p>
@@ -906,7 +907,7 @@
             <a:fld id="{81E9C95E-BEF0-4D2E-9127-B9099B238D2A}" type="datetime1">
               <a:rPr lang="de-DE" smtClean="0"/>
               <a:pPr rtl="0"/>
-              <a:t>28.12.2020</a:t>
+              <a:t>08.01.2021</a:t>
             </a:fld>
             <a:endParaRPr lang="en-US" dirty="0"/>
           </a:p>
@@ -1115,7 +1116,7 @@
             <a:fld id="{FE771757-BB18-44C5-813E-435E78C98126}" type="datetime1">
               <a:rPr lang="de-DE" smtClean="0"/>
               <a:pPr rtl="0"/>
-              <a:t>28.12.2020</a:t>
+              <a:t>08.01.2021</a:t>
             </a:fld>
             <a:endParaRPr lang="en-US" dirty="0"/>
           </a:p>
@@ -1483,7 +1484,7 @@
             <a:fld id="{B83FACD6-565C-4118-ACD0-32ACCA9AF940}" type="datetime1">
               <a:rPr lang="de-DE" smtClean="0"/>
               <a:pPr rtl="0"/>
-              <a:t>28.12.2020</a:t>
+              <a:t>08.01.2021</a:t>
             </a:fld>
             <a:endParaRPr lang="en-US" dirty="0"/>
           </a:p>
@@ -1687,7 +1688,7 @@
             <a:fld id="{83627DD0-092D-4AD9-AAE0-0513E170352E}" type="datetime1">
               <a:rPr lang="de-DE" smtClean="0"/>
               <a:pPr rtl="0"/>
-              <a:t>28.12.2020</a:t>
+              <a:t>08.01.2021</a:t>
             </a:fld>
             <a:endParaRPr lang="en-US" dirty="0"/>
           </a:p>
@@ -2005,7 +2006,7 @@
             <a:fld id="{F36CBEDB-B1DE-4F8C-AD4A-10AD3F77E1A9}" type="datetime1">
               <a:rPr lang="de-DE" smtClean="0"/>
               <a:pPr rtl="0"/>
-              <a:t>28.12.2020</a:t>
+              <a:t>08.01.2021</a:t>
             </a:fld>
             <a:endParaRPr lang="en-US" dirty="0"/>
           </a:p>
@@ -2264,7 +2265,7 @@
             <a:fld id="{F95AE019-BB99-4C3A-AA2C-A36C39CE4DCB}" type="datetime1">
               <a:rPr lang="de-DE" smtClean="0"/>
               <a:pPr rtl="0"/>
-              <a:t>28.12.2020</a:t>
+              <a:t>08.01.2021</a:t>
             </a:fld>
             <a:endParaRPr lang="en-US" dirty="0"/>
           </a:p>
@@ -2692,7 +2693,7 @@
             <a:fld id="{117FAFC6-AD0C-4B5B-B8B0-E729C6D4C810}" type="datetime1">
               <a:rPr lang="de-DE" smtClean="0"/>
               <a:pPr rtl="0"/>
-              <a:t>28.12.2020</a:t>
+              <a:t>08.01.2021</a:t>
             </a:fld>
             <a:endParaRPr lang="en-US" dirty="0"/>
           </a:p>
@@ -2821,7 +2822,7 @@
             <a:fld id="{607DEF3C-A2B0-4F78-836D-1A1B1DEE5467}" type="datetime1">
               <a:rPr lang="de-DE" smtClean="0"/>
               <a:pPr rtl="0"/>
-              <a:t>28.12.2020</a:t>
+              <a:t>08.01.2021</a:t>
             </a:fld>
             <a:endParaRPr lang="en-US" dirty="0"/>
           </a:p>
@@ -2921,7 +2922,7 @@
             <a:fld id="{D971D44B-9C44-467E-B481-41466CDBD2A7}" type="datetime1">
               <a:rPr lang="de-DE" smtClean="0"/>
               <a:pPr rtl="0"/>
-              <a:t>28.12.2020</a:t>
+              <a:t>08.01.2021</a:t>
             </a:fld>
             <a:endParaRPr lang="en-US" dirty="0"/>
           </a:p>
@@ -3304,7 +3305,7 @@
             <a:fld id="{0354EEBD-0E7F-42E6-BE86-4864547D749E}" type="datetime1">
               <a:rPr lang="de-DE" smtClean="0"/>
               <a:pPr rtl="0"/>
-              <a:t>28.12.2020</a:t>
+              <a:t>08.01.2021</a:t>
             </a:fld>
             <a:endParaRPr lang="en-US" dirty="0"/>
           </a:p>
@@ -3603,7 +3604,7 @@
             <a:fld id="{8C7274EF-79A2-4EAD-98EF-7E5BB5EA068D}" type="datetime1">
               <a:rPr lang="de-DE" smtClean="0"/>
               <a:pPr rtl="0"/>
-              <a:t>28.12.2020</a:t>
+              <a:t>08.01.2021</a:t>
             </a:fld>
             <a:endParaRPr lang="en-US" dirty="0"/>
           </a:p>
@@ -3823,7 +3824,7 @@
             <a:fld id="{EDD379EC-906B-4CE5-98C2-3A156331FD9E}" type="datetime1">
               <a:rPr lang="de-DE" smtClean="0"/>
               <a:pPr rtl="0"/>
-              <a:t>28.12.2020</a:t>
+              <a:t>08.01.2021</a:t>
             </a:fld>
             <a:endParaRPr lang="en-US" dirty="0"/>
           </a:p>
@@ -4900,22 +4901,21 @@
           </a:p>
           <a:p>
             <a:r>
+              <a:rPr lang="de-DE"/>
+              <a:t>Einfrieren </a:t>
+            </a:r>
+            <a:r>
               <a:rPr lang="de-DE" dirty="0"/>
-              <a:t>Paketierung unserer Anwendung über </a:t>
-            </a:r>
-            <a:r>
-              <a:rPr lang="de-DE" i="1" dirty="0" err="1"/>
+              <a:t>des </a:t>
+            </a:r>
+            <a:r>
+              <a:rPr lang="de-DE" dirty="0" err="1"/>
               <a:t>Conda</a:t>
             </a:r>
             <a:r>
-              <a:rPr lang="de-DE" i="1" dirty="0"/>
-              <a:t> </a:t>
-            </a:r>
-            <a:r>
-              <a:rPr lang="de-DE" i="1" dirty="0" err="1"/>
-              <a:t>Constructor</a:t>
-            </a:r>
-            <a:endParaRPr lang="de-DE" i="1" dirty="0"/>
+              <a:rPr lang="de-DE" dirty="0"/>
+              <a:t> Environment und wiederherstellen in einer neuen Umgebung</a:t>
+            </a:r>
           </a:p>
         </p:txBody>
       </p:sp>
@@ -4944,91 +4944,9 @@
             <a:fld id="{83627DD0-092D-4AD9-AAE0-0513E170352E}" type="datetime1">
               <a:rPr lang="de-DE" smtClean="0"/>
               <a:pPr rtl="0"/>
-              <a:t>28.12.2020</a:t>
+              <a:t>08.01.2021</a:t>
             </a:fld>
             <a:endParaRPr lang="en-US" dirty="0"/>
-          </a:p>
-        </p:txBody>
-      </p:sp>
-      <p:pic>
-        <p:nvPicPr>
-          <p:cNvPr id="1026" name="Picture 2" descr="Image for post">
-            <a:extLst>
-              <a:ext uri="{FF2B5EF4-FFF2-40B4-BE49-F238E27FC236}">
-                <a16:creationId xmlns:a16="http://schemas.microsoft.com/office/drawing/2014/main" id="{85EE2800-6B3E-449A-A097-B0679095B24E}"/>
-              </a:ext>
-            </a:extLst>
-          </p:cNvPr>
-          <p:cNvPicPr>
-            <a:picLocks noChangeAspect="1" noChangeArrowheads="1"/>
-          </p:cNvPicPr>
-          <p:nvPr/>
-        </p:nvPicPr>
-        <p:blipFill>
-          <a:blip r:embed="rId2">
-            <a:extLst>
-              <a:ext uri="{28A0092B-C50C-407E-A947-70E740481C1C}">
-                <a14:useLocalDpi xmlns:a14="http://schemas.microsoft.com/office/drawing/2010/main" val="0"/>
-              </a:ext>
-            </a:extLst>
-          </a:blip>
-          <a:srcRect/>
-          <a:stretch>
-            <a:fillRect/>
-          </a:stretch>
-        </p:blipFill>
-        <p:spPr bwMode="auto">
-          <a:xfrm>
-            <a:off x="6278330" y="1890876"/>
-            <a:ext cx="5214587" cy="3547338"/>
-          </a:xfrm>
-          <a:prstGeom prst="rect">
-            <a:avLst/>
-          </a:prstGeom>
-          <a:noFill/>
-          <a:extLst>
-            <a:ext uri="{909E8E84-426E-40DD-AFC4-6F175D3DCCD1}">
-              <a14:hiddenFill xmlns:a14="http://schemas.microsoft.com/office/drawing/2010/main">
-                <a:solidFill>
-                  <a:srgbClr val="FFFFFF"/>
-                </a:solidFill>
-              </a14:hiddenFill>
-            </a:ext>
-          </a:extLst>
-        </p:spPr>
-      </p:pic>
-      <p:sp>
-        <p:nvSpPr>
-          <p:cNvPr id="11" name="Textfeld 10">
-            <a:extLst>
-              <a:ext uri="{FF2B5EF4-FFF2-40B4-BE49-F238E27FC236}">
-                <a16:creationId xmlns:a16="http://schemas.microsoft.com/office/drawing/2014/main" id="{2D5B1823-DF73-46BB-A84A-EA4D43A817F2}"/>
-              </a:ext>
-            </a:extLst>
-          </p:cNvPr>
-          <p:cNvSpPr txBox="1"/>
-          <p:nvPr/>
-        </p:nvSpPr>
-        <p:spPr>
-          <a:xfrm>
-            <a:off x="6191076" y="5424176"/>
-            <a:ext cx="5301842" cy="430887"/>
-          </a:xfrm>
-          <a:prstGeom prst="rect">
-            <a:avLst/>
-          </a:prstGeom>
-          <a:noFill/>
-        </p:spPr>
-        <p:txBody>
-          <a:bodyPr wrap="square">
-            <a:spAutoFit/>
-          </a:bodyPr>
-          <a:lstStyle/>
-          <a:p>
-            <a:r>
-              <a:rPr lang="de-DE" sz="1050" dirty="0"/>
-              <a:t>Quelle: https://medium.com/@Amet13/building-a-cross-platform-python-installer-using-conda-constructor-f91b70d393</a:t>
-            </a:r>
           </a:p>
         </p:txBody>
       </p:sp>
@@ -5036,6 +4954,507 @@
     <p:extLst>
       <p:ext uri="{BB962C8B-B14F-4D97-AF65-F5344CB8AC3E}">
         <p14:creationId xmlns:p14="http://schemas.microsoft.com/office/powerpoint/2010/main" val="1167575575"/>
+      </p:ext>
+    </p:extLst>
+  </p:cSld>
+  <p:clrMapOvr>
+    <a:masterClrMapping/>
+  </p:clrMapOvr>
+</p:sld>
+</file>
+
+<file path=ppt/slides/slide3.xml><?xml version="1.0" encoding="utf-8"?>
+<p:sld xmlns:a="http://schemas.openxmlformats.org/drawingml/2006/main" xmlns:r="http://schemas.openxmlformats.org/officeDocument/2006/relationships" xmlns:p="http://schemas.openxmlformats.org/presentationml/2006/main">
+  <p:cSld>
+    <p:spTree>
+      <p:nvGrpSpPr>
+        <p:cNvPr id="1" name=""/>
+        <p:cNvGrpSpPr/>
+        <p:nvPr/>
+      </p:nvGrpSpPr>
+      <p:grpSpPr>
+        <a:xfrm>
+          <a:off x="0" y="0"/>
+          <a:ext cx="0" cy="0"/>
+          <a:chOff x="0" y="0"/>
+          <a:chExt cx="0" cy="0"/>
+        </a:xfrm>
+      </p:grpSpPr>
+      <p:sp>
+        <p:nvSpPr>
+          <p:cNvPr id="2" name="Titel 1">
+            <a:extLst>
+              <a:ext uri="{FF2B5EF4-FFF2-40B4-BE49-F238E27FC236}">
+                <a16:creationId xmlns:a16="http://schemas.microsoft.com/office/drawing/2014/main" id="{000A2A05-B27E-47D4-98A9-336DDAB277D7}"/>
+              </a:ext>
+            </a:extLst>
+          </p:cNvPr>
+          <p:cNvSpPr>
+            <a:spLocks noGrp="1"/>
+          </p:cNvSpPr>
+          <p:nvPr>
+            <p:ph type="title"/>
+          </p:nvPr>
+        </p:nvSpPr>
+        <p:spPr/>
+        <p:txBody>
+          <a:bodyPr/>
+          <a:lstStyle/>
+          <a:p>
+            <a:r>
+              <a:rPr lang="de-DE" dirty="0" err="1"/>
+              <a:t>PyInstaller</a:t>
+            </a:r>
+            <a:r>
+              <a:rPr lang="de-DE" dirty="0"/>
+              <a:t>, </a:t>
+            </a:r>
+            <a:r>
+              <a:rPr lang="de-DE" dirty="0" err="1"/>
+              <a:t>Conda</a:t>
+            </a:r>
+            <a:r>
+              <a:rPr lang="de-DE" dirty="0"/>
+              <a:t> </a:t>
+            </a:r>
+            <a:r>
+              <a:rPr lang="de-DE" dirty="0" err="1"/>
+              <a:t>Constructor</a:t>
+            </a:r>
+            <a:r>
+              <a:rPr lang="de-DE" dirty="0"/>
+              <a:t> oder GIT?</a:t>
+            </a:r>
+          </a:p>
+        </p:txBody>
+      </p:sp>
+      <p:sp>
+        <p:nvSpPr>
+          <p:cNvPr id="3" name="Inhaltsplatzhalter 2">
+            <a:extLst>
+              <a:ext uri="{FF2B5EF4-FFF2-40B4-BE49-F238E27FC236}">
+                <a16:creationId xmlns:a16="http://schemas.microsoft.com/office/drawing/2014/main" id="{EFB70EE4-3041-48EA-AA4C-1FD7C4CD687F}"/>
+              </a:ext>
+            </a:extLst>
+          </p:cNvPr>
+          <p:cNvSpPr>
+            <a:spLocks noGrp="1"/>
+          </p:cNvSpPr>
+          <p:nvPr>
+            <p:ph idx="1"/>
+          </p:nvPr>
+        </p:nvSpPr>
+        <p:spPr/>
+        <p:txBody>
+          <a:bodyPr anchor="t"/>
+          <a:lstStyle/>
+          <a:p>
+            <a:r>
+              <a:rPr lang="de-DE" dirty="0"/>
+              <a:t>Es gibt mehrere Bibliotheken, die es ermöglichen eine Anwendung zu Paketieren und auszuliefern</a:t>
+            </a:r>
+          </a:p>
+        </p:txBody>
+      </p:sp>
+      <p:sp>
+        <p:nvSpPr>
+          <p:cNvPr id="4" name="Datumsplatzhalter 3">
+            <a:extLst>
+              <a:ext uri="{FF2B5EF4-FFF2-40B4-BE49-F238E27FC236}">
+                <a16:creationId xmlns:a16="http://schemas.microsoft.com/office/drawing/2014/main" id="{09D16219-3D46-43F6-983D-1155F3DBA835}"/>
+              </a:ext>
+            </a:extLst>
+          </p:cNvPr>
+          <p:cNvSpPr>
+            <a:spLocks noGrp="1"/>
+          </p:cNvSpPr>
+          <p:nvPr>
+            <p:ph type="dt" sz="half" idx="10"/>
+          </p:nvPr>
+        </p:nvSpPr>
+        <p:spPr/>
+        <p:txBody>
+          <a:bodyPr/>
+          <a:lstStyle/>
+          <a:p>
+            <a:pPr rtl="0"/>
+            <a:fld id="{83627DD0-092D-4AD9-AAE0-0513E170352E}" type="datetime1">
+              <a:rPr lang="de-DE" smtClean="0"/>
+              <a:pPr rtl="0"/>
+              <a:t>08.01.2021</a:t>
+            </a:fld>
+            <a:endParaRPr lang="en-US" dirty="0"/>
+          </a:p>
+        </p:txBody>
+      </p:sp>
+      <p:graphicFrame>
+        <p:nvGraphicFramePr>
+          <p:cNvPr id="5" name="Tabelle 5">
+            <a:extLst>
+              <a:ext uri="{FF2B5EF4-FFF2-40B4-BE49-F238E27FC236}">
+                <a16:creationId xmlns:a16="http://schemas.microsoft.com/office/drawing/2014/main" id="{6458BC6F-9D2D-4C6A-B63B-D7FD58D0B7F8}"/>
+              </a:ext>
+            </a:extLst>
+          </p:cNvPr>
+          <p:cNvGraphicFramePr>
+            <a:graphicFrameLocks noGrp="1"/>
+          </p:cNvGraphicFramePr>
+          <p:nvPr>
+            <p:extLst>
+              <p:ext uri="{D42A27DB-BD31-4B8C-83A1-F6EECF244321}">
+                <p14:modId xmlns:p14="http://schemas.microsoft.com/office/powerpoint/2010/main" val="340537651"/>
+              </p:ext>
+            </p:extLst>
+          </p:nvPr>
+        </p:nvGraphicFramePr>
+        <p:xfrm>
+          <a:off x="324614" y="2852674"/>
+          <a:ext cx="11397404" cy="3296920"/>
+        </p:xfrm>
+        <a:graphic>
+          <a:graphicData uri="http://schemas.openxmlformats.org/drawingml/2006/table">
+            <a:tbl>
+              <a:tblPr firstRow="1" bandRow="1">
+                <a:tableStyleId>{69012ECD-51FC-41F1-AA8D-1B2483CD663E}</a:tableStyleId>
+              </a:tblPr>
+              <a:tblGrid>
+                <a:gridCol w="1520387">
+                  <a:extLst>
+                    <a:ext uri="{9D8B030D-6E8A-4147-A177-3AD203B41FA5}">
+                      <a16:colId xmlns:a16="http://schemas.microsoft.com/office/drawing/2014/main" val="1365344574"/>
+                    </a:ext>
+                  </a:extLst>
+                </a:gridCol>
+                <a:gridCol w="2880382">
+                  <a:extLst>
+                    <a:ext uri="{9D8B030D-6E8A-4147-A177-3AD203B41FA5}">
+                      <a16:colId xmlns:a16="http://schemas.microsoft.com/office/drawing/2014/main" val="1931494702"/>
+                    </a:ext>
+                  </a:extLst>
+                </a:gridCol>
+                <a:gridCol w="4147284">
+                  <a:extLst>
+                    <a:ext uri="{9D8B030D-6E8A-4147-A177-3AD203B41FA5}">
+                      <a16:colId xmlns:a16="http://schemas.microsoft.com/office/drawing/2014/main" val="3607176229"/>
+                    </a:ext>
+                  </a:extLst>
+                </a:gridCol>
+                <a:gridCol w="2849351">
+                  <a:extLst>
+                    <a:ext uri="{9D8B030D-6E8A-4147-A177-3AD203B41FA5}">
+                      <a16:colId xmlns:a16="http://schemas.microsoft.com/office/drawing/2014/main" val="162312057"/>
+                    </a:ext>
+                  </a:extLst>
+                </a:gridCol>
+              </a:tblGrid>
+              <a:tr h="370840">
+                <a:tc>
+                  <a:txBody>
+                    <a:bodyPr/>
+                    <a:lstStyle/>
+                    <a:p>
+                      <a:endParaRPr lang="de-DE"/>
+                    </a:p>
+                  </a:txBody>
+                  <a:tcPr/>
+                </a:tc>
+                <a:tc>
+                  <a:txBody>
+                    <a:bodyPr/>
+                    <a:lstStyle/>
+                    <a:p>
+                      <a:r>
+                        <a:rPr lang="de-DE" dirty="0" err="1"/>
+                        <a:t>Conda</a:t>
+                      </a:r>
+                      <a:r>
+                        <a:rPr lang="de-DE" dirty="0"/>
+                        <a:t> </a:t>
+                      </a:r>
+                      <a:r>
+                        <a:rPr lang="de-DE" dirty="0" err="1"/>
+                        <a:t>Constructor</a:t>
+                      </a:r>
+                      <a:endParaRPr lang="de-DE" dirty="0"/>
+                    </a:p>
+                  </a:txBody>
+                  <a:tcPr/>
+                </a:tc>
+                <a:tc>
+                  <a:txBody>
+                    <a:bodyPr/>
+                    <a:lstStyle/>
+                    <a:p>
+                      <a:r>
+                        <a:rPr lang="de-DE" dirty="0" err="1"/>
+                        <a:t>PyInstaller</a:t>
+                      </a:r>
+                      <a:endParaRPr lang="de-DE" dirty="0"/>
+                    </a:p>
+                  </a:txBody>
+                  <a:tcPr/>
+                </a:tc>
+                <a:tc>
+                  <a:txBody>
+                    <a:bodyPr/>
+                    <a:lstStyle/>
+                    <a:p>
+                      <a:r>
+                        <a:rPr lang="de-DE" dirty="0" err="1"/>
+                        <a:t>Git</a:t>
+                      </a:r>
+                      <a:r>
+                        <a:rPr lang="de-DE" dirty="0"/>
+                        <a:t> Repository</a:t>
+                      </a:r>
+                    </a:p>
+                  </a:txBody>
+                  <a:tcPr/>
+                </a:tc>
+                <a:extLst>
+                  <a:ext uri="{0D108BD9-81ED-4DB2-BD59-A6C34878D82A}">
+                    <a16:rowId xmlns:a16="http://schemas.microsoft.com/office/drawing/2014/main" val="89703146"/>
+                  </a:ext>
+                </a:extLst>
+              </a:tr>
+              <a:tr h="370840">
+                <a:tc>
+                  <a:txBody>
+                    <a:bodyPr/>
+                    <a:lstStyle/>
+                    <a:p>
+                      <a:r>
+                        <a:rPr lang="de-DE" b="1" dirty="0"/>
+                        <a:t>Vorteile</a:t>
+                      </a:r>
+                    </a:p>
+                  </a:txBody>
+                  <a:tcPr/>
+                </a:tc>
+                <a:tc>
+                  <a:txBody>
+                    <a:bodyPr/>
+                    <a:lstStyle/>
+                    <a:p>
+                      <a:pPr marL="285750" indent="-285750">
+                        <a:buFont typeface="Arial" panose="020B0604020202020204" pitchFamily="34" charset="0"/>
+                        <a:buChar char="•"/>
+                      </a:pPr>
+                      <a:r>
+                        <a:rPr lang="de-DE" dirty="0"/>
+                        <a:t>Abgeschlossenes Paket mit allen benötigten Dateien</a:t>
+                      </a:r>
+                    </a:p>
+                    <a:p>
+                      <a:pPr marL="285750" indent="-285750">
+                        <a:buFont typeface="Arial" panose="020B0604020202020204" pitchFamily="34" charset="0"/>
+                        <a:buChar char="•"/>
+                      </a:pPr>
+                      <a:r>
+                        <a:rPr lang="de-DE" dirty="0" err="1"/>
+                        <a:t>Anaconda</a:t>
+                      </a:r>
+                      <a:r>
+                        <a:rPr lang="de-DE" dirty="0"/>
+                        <a:t> wird mitgeliefert</a:t>
+                      </a:r>
+                    </a:p>
+                  </a:txBody>
+                  <a:tcPr/>
+                </a:tc>
+                <a:tc>
+                  <a:txBody>
+                    <a:bodyPr/>
+                    <a:lstStyle/>
+                    <a:p>
+                      <a:pPr marL="285750" indent="-285750">
+                        <a:buFont typeface="Arial" panose="020B0604020202020204" pitchFamily="34" charset="0"/>
+                        <a:buChar char="•"/>
+                      </a:pPr>
+                      <a:r>
+                        <a:rPr lang="de-DE" dirty="0"/>
+                        <a:t>Konstruktion einer Windows-Exe, die die Anwendungslogik beinhaltet</a:t>
+                      </a:r>
+                    </a:p>
+                    <a:p>
+                      <a:pPr marL="285750" indent="-285750">
+                        <a:buFont typeface="Arial" panose="020B0604020202020204" pitchFamily="34" charset="0"/>
+                        <a:buChar char="•"/>
+                      </a:pPr>
+                      <a:r>
+                        <a:rPr lang="de-DE" dirty="0"/>
+                        <a:t>Viele Konfigurations-möglichkeiten</a:t>
+                      </a:r>
+                    </a:p>
+                    <a:p>
+                      <a:pPr marL="285750" indent="-285750">
+                        <a:buFont typeface="Arial" panose="020B0604020202020204" pitchFamily="34" charset="0"/>
+                        <a:buChar char="•"/>
+                      </a:pPr>
+                      <a:r>
+                        <a:rPr lang="de-DE" dirty="0"/>
+                        <a:t>Unterstützung vieler Pakete</a:t>
+                      </a:r>
+                    </a:p>
+                    <a:p>
+                      <a:pPr marL="285750" indent="-285750">
+                        <a:buFont typeface="Arial" panose="020B0604020202020204" pitchFamily="34" charset="0"/>
+                        <a:buChar char="•"/>
+                      </a:pPr>
+                      <a:r>
+                        <a:rPr lang="de-DE" dirty="0" err="1"/>
+                        <a:t>Anaconda</a:t>
+                      </a:r>
+                      <a:r>
+                        <a:rPr lang="de-DE" dirty="0"/>
+                        <a:t> wird nicht benötigt</a:t>
+                      </a:r>
+                    </a:p>
+                  </a:txBody>
+                  <a:tcPr/>
+                </a:tc>
+                <a:tc>
+                  <a:txBody>
+                    <a:bodyPr/>
+                    <a:lstStyle/>
+                    <a:p>
+                      <a:pPr marL="285750" indent="-285750">
+                        <a:buFont typeface="Arial" panose="020B0604020202020204" pitchFamily="34" charset="0"/>
+                        <a:buChar char="•"/>
+                      </a:pPr>
+                      <a:r>
+                        <a:rPr lang="de-DE" dirty="0"/>
+                        <a:t>Kompatibel auf vielen verschiedenen Systemen</a:t>
+                      </a:r>
+                    </a:p>
+                    <a:p>
+                      <a:pPr marL="285750" indent="-285750">
+                        <a:buFont typeface="Arial" panose="020B0604020202020204" pitchFamily="34" charset="0"/>
+                        <a:buChar char="•"/>
+                      </a:pPr>
+                      <a:r>
+                        <a:rPr lang="de-DE" dirty="0"/>
+                        <a:t>Updates leicht möglich</a:t>
+                      </a:r>
+                    </a:p>
+                  </a:txBody>
+                  <a:tcPr/>
+                </a:tc>
+                <a:extLst>
+                  <a:ext uri="{0D108BD9-81ED-4DB2-BD59-A6C34878D82A}">
+                    <a16:rowId xmlns:a16="http://schemas.microsoft.com/office/drawing/2014/main" val="1456841104"/>
+                  </a:ext>
+                </a:extLst>
+              </a:tr>
+              <a:tr h="370840">
+                <a:tc>
+                  <a:txBody>
+                    <a:bodyPr/>
+                    <a:lstStyle/>
+                    <a:p>
+                      <a:r>
+                        <a:rPr lang="de-DE" b="1" dirty="0"/>
+                        <a:t>Nachteile</a:t>
+                      </a:r>
+                    </a:p>
+                  </a:txBody>
+                  <a:tcPr/>
+                </a:tc>
+                <a:tc>
+                  <a:txBody>
+                    <a:bodyPr/>
+                    <a:lstStyle/>
+                    <a:p>
+                      <a:pPr marL="285750" indent="-285750">
+                        <a:buFont typeface="Arial" panose="020B0604020202020204" pitchFamily="34" charset="0"/>
+                        <a:buChar char="•"/>
+                      </a:pPr>
+                      <a:r>
+                        <a:rPr lang="de-DE" dirty="0"/>
+                        <a:t>Paketiert keine Anwendungslogik, nur das Environment</a:t>
+                      </a:r>
+                    </a:p>
+                    <a:p>
+                      <a:pPr marL="285750" indent="-285750">
+                        <a:buFont typeface="Arial" panose="020B0604020202020204" pitchFamily="34" charset="0"/>
+                        <a:buChar char="•"/>
+                      </a:pPr>
+                      <a:r>
+                        <a:rPr lang="de-DE" dirty="0"/>
+                        <a:t>Wenig Konfigurations-möglichkeiten</a:t>
+                      </a:r>
+                    </a:p>
+                  </a:txBody>
+                  <a:tcPr/>
+                </a:tc>
+                <a:tc>
+                  <a:txBody>
+                    <a:bodyPr/>
+                    <a:lstStyle/>
+                    <a:p>
+                      <a:pPr marL="285750" indent="-285750">
+                        <a:buFont typeface="Arial" panose="020B0604020202020204" pitchFamily="34" charset="0"/>
+                        <a:buChar char="•"/>
+                      </a:pPr>
+                      <a:r>
+                        <a:rPr lang="de-DE" dirty="0"/>
+                        <a:t>Die meisten Pakete benötigen einen Hook, um mit </a:t>
+                      </a:r>
+                      <a:r>
+                        <a:rPr lang="de-DE" dirty="0" err="1"/>
+                        <a:t>PyInstaller</a:t>
+                      </a:r>
+                      <a:r>
+                        <a:rPr lang="de-DE" dirty="0"/>
+                        <a:t> zu funktionieren. Einige Hooks fehlen.</a:t>
+                      </a:r>
+                    </a:p>
+                  </a:txBody>
+                  <a:tcPr/>
+                </a:tc>
+                <a:tc>
+                  <a:txBody>
+                    <a:bodyPr/>
+                    <a:lstStyle/>
+                    <a:p>
+                      <a:pPr marL="285750" indent="-285750">
+                        <a:buFont typeface="Arial" panose="020B0604020202020204" pitchFamily="34" charset="0"/>
+                        <a:buChar char="•"/>
+                      </a:pPr>
+                      <a:r>
+                        <a:rPr lang="de-DE" dirty="0" err="1"/>
+                        <a:t>Anaconda</a:t>
+                      </a:r>
+                      <a:r>
+                        <a:rPr lang="de-DE" dirty="0"/>
+                        <a:t>/</a:t>
+                      </a:r>
+                      <a:r>
+                        <a:rPr lang="de-DE" dirty="0" err="1"/>
+                        <a:t>Miniconda</a:t>
+                      </a:r>
+                      <a:r>
+                        <a:rPr lang="de-DE" dirty="0"/>
+                        <a:t> muss separat installiert werden</a:t>
+                      </a:r>
+                    </a:p>
+                  </a:txBody>
+                  <a:tcPr/>
+                </a:tc>
+                <a:extLst>
+                  <a:ext uri="{0D108BD9-81ED-4DB2-BD59-A6C34878D82A}">
+                    <a16:rowId xmlns:a16="http://schemas.microsoft.com/office/drawing/2014/main" val="2928795889"/>
+                  </a:ext>
+                </a:extLst>
+              </a:tr>
+            </a:tbl>
+          </a:graphicData>
+        </a:graphic>
+      </p:graphicFrame>
+    </p:spTree>
+    <p:extLst>
+      <p:ext uri="{BB962C8B-B14F-4D97-AF65-F5344CB8AC3E}">
+        <p14:creationId xmlns:p14="http://schemas.microsoft.com/office/powerpoint/2010/main" val="1965215068"/>
       </p:ext>
     </p:extLst>
   </p:cSld>

--- a/slides/12_paketierung.pptx
+++ b/slides/12_paketierung.pptx
@@ -219,7 +219,7 @@
             <a:fld id="{764ED9EE-8F2A-4E06-87A2-36C0DD0993FD}" type="datetime1">
               <a:rPr lang="de-DE" smtClean="0"/>
               <a:pPr rtl="0"/>
-              <a:t>08.01.2021</a:t>
+              <a:t>14.01.2021</a:t>
             </a:fld>
             <a:endParaRPr lang="en-US" dirty="0"/>
           </a:p>
@@ -391,7 +391,7 @@
             <a:fld id="{A5A5ADE8-1FB8-43FD-A675-2B613EE00B6F}" type="datetime1">
               <a:rPr lang="de-DE" smtClean="0"/>
               <a:pPr rtl="0"/>
-              <a:t>08.01.2021</a:t>
+              <a:t>14.01.2021</a:t>
             </a:fld>
             <a:endParaRPr lang="en-US"/>
           </a:p>
@@ -907,7 +907,7 @@
             <a:fld id="{81E9C95E-BEF0-4D2E-9127-B9099B238D2A}" type="datetime1">
               <a:rPr lang="de-DE" smtClean="0"/>
               <a:pPr rtl="0"/>
-              <a:t>08.01.2021</a:t>
+              <a:t>14.01.2021</a:t>
             </a:fld>
             <a:endParaRPr lang="en-US" dirty="0"/>
           </a:p>
@@ -1116,7 +1116,7 @@
             <a:fld id="{FE771757-BB18-44C5-813E-435E78C98126}" type="datetime1">
               <a:rPr lang="de-DE" smtClean="0"/>
               <a:pPr rtl="0"/>
-              <a:t>08.01.2021</a:t>
+              <a:t>14.01.2021</a:t>
             </a:fld>
             <a:endParaRPr lang="en-US" dirty="0"/>
           </a:p>
@@ -1484,7 +1484,7 @@
             <a:fld id="{B83FACD6-565C-4118-ACD0-32ACCA9AF940}" type="datetime1">
               <a:rPr lang="de-DE" smtClean="0"/>
               <a:pPr rtl="0"/>
-              <a:t>08.01.2021</a:t>
+              <a:t>14.01.2021</a:t>
             </a:fld>
             <a:endParaRPr lang="en-US" dirty="0"/>
           </a:p>
@@ -1688,7 +1688,7 @@
             <a:fld id="{83627DD0-092D-4AD9-AAE0-0513E170352E}" type="datetime1">
               <a:rPr lang="de-DE" smtClean="0"/>
               <a:pPr rtl="0"/>
-              <a:t>08.01.2021</a:t>
+              <a:t>14.01.2021</a:t>
             </a:fld>
             <a:endParaRPr lang="en-US" dirty="0"/>
           </a:p>
@@ -2006,7 +2006,7 @@
             <a:fld id="{F36CBEDB-B1DE-4F8C-AD4A-10AD3F77E1A9}" type="datetime1">
               <a:rPr lang="de-DE" smtClean="0"/>
               <a:pPr rtl="0"/>
-              <a:t>08.01.2021</a:t>
+              <a:t>14.01.2021</a:t>
             </a:fld>
             <a:endParaRPr lang="en-US" dirty="0"/>
           </a:p>
@@ -2265,7 +2265,7 @@
             <a:fld id="{F95AE019-BB99-4C3A-AA2C-A36C39CE4DCB}" type="datetime1">
               <a:rPr lang="de-DE" smtClean="0"/>
               <a:pPr rtl="0"/>
-              <a:t>08.01.2021</a:t>
+              <a:t>14.01.2021</a:t>
             </a:fld>
             <a:endParaRPr lang="en-US" dirty="0"/>
           </a:p>
@@ -2693,7 +2693,7 @@
             <a:fld id="{117FAFC6-AD0C-4B5B-B8B0-E729C6D4C810}" type="datetime1">
               <a:rPr lang="de-DE" smtClean="0"/>
               <a:pPr rtl="0"/>
-              <a:t>08.01.2021</a:t>
+              <a:t>14.01.2021</a:t>
             </a:fld>
             <a:endParaRPr lang="en-US" dirty="0"/>
           </a:p>
@@ -2822,7 +2822,7 @@
             <a:fld id="{607DEF3C-A2B0-4F78-836D-1A1B1DEE5467}" type="datetime1">
               <a:rPr lang="de-DE" smtClean="0"/>
               <a:pPr rtl="0"/>
-              <a:t>08.01.2021</a:t>
+              <a:t>14.01.2021</a:t>
             </a:fld>
             <a:endParaRPr lang="en-US" dirty="0"/>
           </a:p>
@@ -2922,7 +2922,7 @@
             <a:fld id="{D971D44B-9C44-467E-B481-41466CDBD2A7}" type="datetime1">
               <a:rPr lang="de-DE" smtClean="0"/>
               <a:pPr rtl="0"/>
-              <a:t>08.01.2021</a:t>
+              <a:t>14.01.2021</a:t>
             </a:fld>
             <a:endParaRPr lang="en-US" dirty="0"/>
           </a:p>
@@ -3305,7 +3305,7 @@
             <a:fld id="{0354EEBD-0E7F-42E6-BE86-4864547D749E}" type="datetime1">
               <a:rPr lang="de-DE" smtClean="0"/>
               <a:pPr rtl="0"/>
-              <a:t>08.01.2021</a:t>
+              <a:t>14.01.2021</a:t>
             </a:fld>
             <a:endParaRPr lang="en-US" dirty="0"/>
           </a:p>
@@ -3604,7 +3604,7 @@
             <a:fld id="{8C7274EF-79A2-4EAD-98EF-7E5BB5EA068D}" type="datetime1">
               <a:rPr lang="de-DE" smtClean="0"/>
               <a:pPr rtl="0"/>
-              <a:t>08.01.2021</a:t>
+              <a:t>14.01.2021</a:t>
             </a:fld>
             <a:endParaRPr lang="en-US" dirty="0"/>
           </a:p>
@@ -3824,7 +3824,7 @@
             <a:fld id="{EDD379EC-906B-4CE5-98C2-3A156331FD9E}" type="datetime1">
               <a:rPr lang="de-DE" smtClean="0"/>
               <a:pPr rtl="0"/>
-              <a:t>08.01.2021</a:t>
+              <a:t>14.01.2021</a:t>
             </a:fld>
             <a:endParaRPr lang="en-US" dirty="0"/>
           </a:p>
@@ -4935,18 +4935,170 @@
             <p:ph type="dt" sz="half" idx="10"/>
           </p:nvPr>
         </p:nvSpPr>
-        <p:spPr/>
+        <p:spPr>
+          <a:xfrm>
+            <a:off x="9313645" y="6492875"/>
+            <a:ext cx="2844799" cy="365125"/>
+          </a:xfrm>
+        </p:spPr>
         <p:txBody>
           <a:bodyPr/>
           <a:lstStyle/>
           <a:p>
             <a:pPr rtl="0"/>
-            <a:fld id="{83627DD0-092D-4AD9-AAE0-0513E170352E}" type="datetime1">
-              <a:rPr lang="de-DE" smtClean="0"/>
-              <a:pPr rtl="0"/>
-              <a:t>08.01.2021</a:t>
-            </a:fld>
+            <a:r>
+              <a:rPr lang="de-DE" dirty="0"/>
+              <a:t>Graphics </a:t>
+            </a:r>
+            <a:r>
+              <a:rPr lang="de-DE" dirty="0" err="1"/>
+              <a:t>by</a:t>
+            </a:r>
+            <a:r>
+              <a:rPr lang="de-DE" dirty="0"/>
+              <a:t> https://about.webalys.com/</a:t>
+            </a:r>
             <a:endParaRPr lang="en-US" dirty="0"/>
+          </a:p>
+        </p:txBody>
+      </p:sp>
+      <p:pic>
+        <p:nvPicPr>
+          <p:cNvPr id="1026" name="Picture 2" descr="Anaconda (Python distribution) - Wikipedia">
+            <a:extLst>
+              <a:ext uri="{FF2B5EF4-FFF2-40B4-BE49-F238E27FC236}">
+                <a16:creationId xmlns:a16="http://schemas.microsoft.com/office/drawing/2014/main" id="{8F458A18-DDA9-4860-BB8F-0889DDCB0397}"/>
+              </a:ext>
+            </a:extLst>
+          </p:cNvPr>
+          <p:cNvPicPr>
+            <a:picLocks noChangeAspect="1" noChangeArrowheads="1"/>
+          </p:cNvPicPr>
+          <p:nvPr/>
+        </p:nvPicPr>
+        <p:blipFill>
+          <a:blip r:embed="rId2">
+            <a:extLst>
+              <a:ext uri="{28A0092B-C50C-407E-A947-70E740481C1C}">
+                <a14:useLocalDpi xmlns:a14="http://schemas.microsoft.com/office/drawing/2010/main" val="0"/>
+              </a:ext>
+            </a:extLst>
+          </a:blip>
+          <a:srcRect/>
+          <a:stretch>
+            <a:fillRect/>
+          </a:stretch>
+        </p:blipFill>
+        <p:spPr bwMode="auto">
+          <a:xfrm>
+            <a:off x="5401987" y="3004528"/>
+            <a:ext cx="3626363" cy="1809125"/>
+          </a:xfrm>
+          <a:prstGeom prst="rect">
+            <a:avLst/>
+          </a:prstGeom>
+          <a:noFill/>
+          <a:extLst>
+            <a:ext uri="{909E8E84-426E-40DD-AFC4-6F175D3DCCD1}">
+              <a14:hiddenFill xmlns:a14="http://schemas.microsoft.com/office/drawing/2010/main">
+                <a:solidFill>
+                  <a:srgbClr val="FFFFFF"/>
+                </a:solidFill>
+              </a14:hiddenFill>
+            </a:ext>
+          </a:extLst>
+        </p:spPr>
+      </p:pic>
+      <p:pic>
+        <p:nvPicPr>
+          <p:cNvPr id="1028" name="Picture 4" descr="Package Free Icon of 780 Free Vector Emoji">
+            <a:extLst>
+              <a:ext uri="{FF2B5EF4-FFF2-40B4-BE49-F238E27FC236}">
+                <a16:creationId xmlns:a16="http://schemas.microsoft.com/office/drawing/2014/main" id="{18C305D8-6225-4858-9E1E-C205D9414F86}"/>
+              </a:ext>
+            </a:extLst>
+          </p:cNvPr>
+          <p:cNvPicPr>
+            <a:picLocks noChangeAspect="1" noChangeArrowheads="1"/>
+          </p:cNvPicPr>
+          <p:nvPr/>
+        </p:nvPicPr>
+        <p:blipFill>
+          <a:blip r:embed="rId3">
+            <a:extLst>
+              <a:ext uri="{28A0092B-C50C-407E-A947-70E740481C1C}">
+                <a14:useLocalDpi xmlns:a14="http://schemas.microsoft.com/office/drawing/2010/main" val="0"/>
+              </a:ext>
+            </a:extLst>
+          </a:blip>
+          <a:srcRect/>
+          <a:stretch>
+            <a:fillRect/>
+          </a:stretch>
+        </p:blipFill>
+        <p:spPr bwMode="auto">
+          <a:xfrm>
+            <a:off x="9595483" y="2649797"/>
+            <a:ext cx="2317328" cy="2317328"/>
+          </a:xfrm>
+          <a:prstGeom prst="rect">
+            <a:avLst/>
+          </a:prstGeom>
+          <a:noFill/>
+          <a:extLst>
+            <a:ext uri="{909E8E84-426E-40DD-AFC4-6F175D3DCCD1}">
+              <a14:hiddenFill xmlns:a14="http://schemas.microsoft.com/office/drawing/2010/main">
+                <a:solidFill>
+                  <a:srgbClr val="FFFFFF"/>
+                </a:solidFill>
+              </a14:hiddenFill>
+            </a:ext>
+          </a:extLst>
+        </p:spPr>
+      </p:pic>
+      <p:sp>
+        <p:nvSpPr>
+          <p:cNvPr id="5" name="Pfeil: nach rechts 4">
+            <a:extLst>
+              <a:ext uri="{FF2B5EF4-FFF2-40B4-BE49-F238E27FC236}">
+                <a16:creationId xmlns:a16="http://schemas.microsoft.com/office/drawing/2014/main" id="{29EEEB8A-7C68-40F7-97C8-3D5F6950480A}"/>
+              </a:ext>
+            </a:extLst>
+          </p:cNvPr>
+          <p:cNvSpPr/>
+          <p:nvPr/>
+        </p:nvSpPr>
+        <p:spPr>
+          <a:xfrm>
+            <a:off x="8388991" y="3429000"/>
+            <a:ext cx="880844" cy="530604"/>
+          </a:xfrm>
+          <a:prstGeom prst="rightArrow">
+            <a:avLst/>
+          </a:prstGeom>
+        </p:spPr>
+        <p:style>
+          <a:lnRef idx="2">
+            <a:schemeClr val="accent1">
+              <a:shade val="50000"/>
+            </a:schemeClr>
+          </a:lnRef>
+          <a:fillRef idx="1">
+            <a:schemeClr val="accent1"/>
+          </a:fillRef>
+          <a:effectRef idx="0">
+            <a:schemeClr val="accent1"/>
+          </a:effectRef>
+          <a:fontRef idx="minor">
+            <a:schemeClr val="lt1"/>
+          </a:fontRef>
+        </p:style>
+        <p:txBody>
+          <a:bodyPr rtlCol="0" anchor="ctr"/>
+          <a:lstStyle/>
+          <a:p>
+            <a:pPr algn="ctr"/>
+            <a:endParaRPr lang="de-DE"/>
           </a:p>
         </p:txBody>
       </p:sp>
@@ -5081,7 +5233,7 @@
             <a:fld id="{83627DD0-092D-4AD9-AAE0-0513E170352E}" type="datetime1">
               <a:rPr lang="de-DE" smtClean="0"/>
               <a:pPr rtl="0"/>
-              <a:t>08.01.2021</a:t>
+              <a:t>14.01.2021</a:t>
             </a:fld>
             <a:endParaRPr lang="en-US" dirty="0"/>
           </a:p>
@@ -5102,7 +5254,7 @@
           <p:nvPr>
             <p:extLst>
               <p:ext uri="{D42A27DB-BD31-4B8C-83A1-F6EECF244321}">
-                <p14:modId xmlns:p14="http://schemas.microsoft.com/office/powerpoint/2010/main" val="340537651"/>
+                <p14:modId xmlns:p14="http://schemas.microsoft.com/office/powerpoint/2010/main" val="3808822351"/>
               </p:ext>
             </p:extLst>
           </p:nvPr>
@@ -5260,7 +5412,14 @@
                       </a:r>
                     </a:p>
                   </a:txBody>
-                  <a:tcPr/>
+                  <a:tcPr>
+                    <a:solidFill>
+                      <a:schemeClr val="accent1">
+                        <a:lumMod val="40000"/>
+                        <a:lumOff val="60000"/>
+                      </a:schemeClr>
+                    </a:solidFill>
+                  </a:tcPr>
                 </a:tc>
                 <a:tc>
                   <a:txBody>
@@ -5338,7 +5497,14 @@
                       </a:r>
                     </a:p>
                   </a:txBody>
-                  <a:tcPr/>
+                  <a:tcPr>
+                    <a:solidFill>
+                      <a:schemeClr val="accent1">
+                        <a:lumMod val="40000"/>
+                        <a:lumOff val="60000"/>
+                      </a:schemeClr>
+                    </a:solidFill>
+                  </a:tcPr>
                 </a:tc>
                 <a:extLst>
                   <a:ext uri="{0D108BD9-81ED-4DB2-BD59-A6C34878D82A}">
@@ -5385,7 +5551,14 @@
                       </a:r>
                     </a:p>
                   </a:txBody>
-                  <a:tcPr/>
+                  <a:tcPr>
+                    <a:solidFill>
+                      <a:schemeClr val="accent1">
+                        <a:lumMod val="40000"/>
+                        <a:lumOff val="60000"/>
+                      </a:schemeClr>
+                    </a:solidFill>
+                  </a:tcPr>
                 </a:tc>
                 <a:tc>
                   <a:txBody>
@@ -5439,7 +5612,14 @@
                       </a:r>
                     </a:p>
                   </a:txBody>
-                  <a:tcPr/>
+                  <a:tcPr>
+                    <a:solidFill>
+                      <a:schemeClr val="accent1">
+                        <a:lumMod val="40000"/>
+                        <a:lumOff val="60000"/>
+                      </a:schemeClr>
+                    </a:solidFill>
+                  </a:tcPr>
                 </a:tc>
                 <a:extLst>
                   <a:ext uri="{0D108BD9-81ED-4DB2-BD59-A6C34878D82A}">

--- a/slides/12_paketierung.pptx
+++ b/slides/12_paketierung.pptx
@@ -219,7 +219,7 @@
             <a:fld id="{764ED9EE-8F2A-4E06-87A2-36C0DD0993FD}" type="datetime1">
               <a:rPr lang="de-DE" smtClean="0"/>
               <a:pPr rtl="0"/>
-              <a:t>14.01.2021</a:t>
+              <a:t>12.04.2021</a:t>
             </a:fld>
             <a:endParaRPr lang="en-US" dirty="0"/>
           </a:p>
@@ -391,7 +391,7 @@
             <a:fld id="{A5A5ADE8-1FB8-43FD-A675-2B613EE00B6F}" type="datetime1">
               <a:rPr lang="de-DE" smtClean="0"/>
               <a:pPr rtl="0"/>
-              <a:t>14.01.2021</a:t>
+              <a:t>12.04.2021</a:t>
             </a:fld>
             <a:endParaRPr lang="en-US"/>
           </a:p>
@@ -907,7 +907,7 @@
             <a:fld id="{81E9C95E-BEF0-4D2E-9127-B9099B238D2A}" type="datetime1">
               <a:rPr lang="de-DE" smtClean="0"/>
               <a:pPr rtl="0"/>
-              <a:t>14.01.2021</a:t>
+              <a:t>12.04.2021</a:t>
             </a:fld>
             <a:endParaRPr lang="en-US" dirty="0"/>
           </a:p>
@@ -1116,7 +1116,7 @@
             <a:fld id="{FE771757-BB18-44C5-813E-435E78C98126}" type="datetime1">
               <a:rPr lang="de-DE" smtClean="0"/>
               <a:pPr rtl="0"/>
-              <a:t>14.01.2021</a:t>
+              <a:t>12.04.2021</a:t>
             </a:fld>
             <a:endParaRPr lang="en-US" dirty="0"/>
           </a:p>
@@ -1484,7 +1484,7 @@
             <a:fld id="{B83FACD6-565C-4118-ACD0-32ACCA9AF940}" type="datetime1">
               <a:rPr lang="de-DE" smtClean="0"/>
               <a:pPr rtl="0"/>
-              <a:t>14.01.2021</a:t>
+              <a:t>12.04.2021</a:t>
             </a:fld>
             <a:endParaRPr lang="en-US" dirty="0"/>
           </a:p>
@@ -1688,7 +1688,7 @@
             <a:fld id="{83627DD0-092D-4AD9-AAE0-0513E170352E}" type="datetime1">
               <a:rPr lang="de-DE" smtClean="0"/>
               <a:pPr rtl="0"/>
-              <a:t>14.01.2021</a:t>
+              <a:t>12.04.2021</a:t>
             </a:fld>
             <a:endParaRPr lang="en-US" dirty="0"/>
           </a:p>
@@ -2006,7 +2006,7 @@
             <a:fld id="{F36CBEDB-B1DE-4F8C-AD4A-10AD3F77E1A9}" type="datetime1">
               <a:rPr lang="de-DE" smtClean="0"/>
               <a:pPr rtl="0"/>
-              <a:t>14.01.2021</a:t>
+              <a:t>12.04.2021</a:t>
             </a:fld>
             <a:endParaRPr lang="en-US" dirty="0"/>
           </a:p>
@@ -2265,7 +2265,7 @@
             <a:fld id="{F95AE019-BB99-4C3A-AA2C-A36C39CE4DCB}" type="datetime1">
               <a:rPr lang="de-DE" smtClean="0"/>
               <a:pPr rtl="0"/>
-              <a:t>14.01.2021</a:t>
+              <a:t>12.04.2021</a:t>
             </a:fld>
             <a:endParaRPr lang="en-US" dirty="0"/>
           </a:p>
@@ -2693,7 +2693,7 @@
             <a:fld id="{117FAFC6-AD0C-4B5B-B8B0-E729C6D4C810}" type="datetime1">
               <a:rPr lang="de-DE" smtClean="0"/>
               <a:pPr rtl="0"/>
-              <a:t>14.01.2021</a:t>
+              <a:t>12.04.2021</a:t>
             </a:fld>
             <a:endParaRPr lang="en-US" dirty="0"/>
           </a:p>
@@ -2822,7 +2822,7 @@
             <a:fld id="{607DEF3C-A2B0-4F78-836D-1A1B1DEE5467}" type="datetime1">
               <a:rPr lang="de-DE" smtClean="0"/>
               <a:pPr rtl="0"/>
-              <a:t>14.01.2021</a:t>
+              <a:t>12.04.2021</a:t>
             </a:fld>
             <a:endParaRPr lang="en-US" dirty="0"/>
           </a:p>
@@ -2922,7 +2922,7 @@
             <a:fld id="{D971D44B-9C44-467E-B481-41466CDBD2A7}" type="datetime1">
               <a:rPr lang="de-DE" smtClean="0"/>
               <a:pPr rtl="0"/>
-              <a:t>14.01.2021</a:t>
+              <a:t>12.04.2021</a:t>
             </a:fld>
             <a:endParaRPr lang="en-US" dirty="0"/>
           </a:p>
@@ -3305,7 +3305,7 @@
             <a:fld id="{0354EEBD-0E7F-42E6-BE86-4864547D749E}" type="datetime1">
               <a:rPr lang="de-DE" smtClean="0"/>
               <a:pPr rtl="0"/>
-              <a:t>14.01.2021</a:t>
+              <a:t>12.04.2021</a:t>
             </a:fld>
             <a:endParaRPr lang="en-US" dirty="0"/>
           </a:p>
@@ -3604,7 +3604,7 @@
             <a:fld id="{8C7274EF-79A2-4EAD-98EF-7E5BB5EA068D}" type="datetime1">
               <a:rPr lang="de-DE" smtClean="0"/>
               <a:pPr rtl="0"/>
-              <a:t>14.01.2021</a:t>
+              <a:t>12.04.2021</a:t>
             </a:fld>
             <a:endParaRPr lang="en-US" dirty="0"/>
           </a:p>
@@ -3824,7 +3824,7 @@
             <a:fld id="{EDD379EC-906B-4CE5-98C2-3A156331FD9E}" type="datetime1">
               <a:rPr lang="de-DE" smtClean="0"/>
               <a:pPr rtl="0"/>
-              <a:t>14.01.2021</a:t>
+              <a:t>12.04.2021</a:t>
             </a:fld>
             <a:endParaRPr lang="en-US" dirty="0"/>
           </a:p>
@@ -4891,22 +4891,7 @@
           <a:p>
             <a:r>
               <a:rPr lang="de-DE" dirty="0"/>
-              <a:t>Entfernen nicht benutzter Bibliotheken mit </a:t>
-            </a:r>
-            <a:r>
-              <a:rPr lang="de-DE" i="1" dirty="0" err="1"/>
-              <a:t>pyFlake</a:t>
-            </a:r>
-            <a:endParaRPr lang="de-DE" i="1" dirty="0"/>
-          </a:p>
-          <a:p>
-            <a:r>
-              <a:rPr lang="de-DE"/>
-              <a:t>Einfrieren </a:t>
-            </a:r>
-            <a:r>
-              <a:rPr lang="de-DE" dirty="0"/>
-              <a:t>des </a:t>
+              <a:t>Einfrieren des </a:t>
             </a:r>
             <a:r>
               <a:rPr lang="de-DE" dirty="0" err="1"/>
@@ -4916,6 +4901,17 @@
               <a:rPr lang="de-DE" dirty="0"/>
               <a:t> Environment und wiederherstellen in einer neuen Umgebung</a:t>
             </a:r>
+          </a:p>
+          <a:p>
+            <a:r>
+              <a:rPr lang="de-DE" dirty="0"/>
+              <a:t>Paketieren einer Anwendung über </a:t>
+            </a:r>
+            <a:r>
+              <a:rPr lang="de-DE" dirty="0" err="1"/>
+              <a:t>cx_freeze</a:t>
+            </a:r>
+            <a:endParaRPr lang="de-DE" dirty="0"/>
           </a:p>
         </p:txBody>
       </p:sp>
@@ -5233,7 +5229,7 @@
             <a:fld id="{83627DD0-092D-4AD9-AAE0-0513E170352E}" type="datetime1">
               <a:rPr lang="de-DE" smtClean="0"/>
               <a:pPr rtl="0"/>
-              <a:t>14.01.2021</a:t>
+              <a:t>12.04.2021</a:t>
             </a:fld>
             <a:endParaRPr lang="en-US" dirty="0"/>
           </a:p>
@@ -5254,14 +5250,14 @@
           <p:nvPr>
             <p:extLst>
               <p:ext uri="{D42A27DB-BD31-4B8C-83A1-F6EECF244321}">
-                <p14:modId xmlns:p14="http://schemas.microsoft.com/office/powerpoint/2010/main" val="3808822351"/>
+                <p14:modId xmlns:p14="http://schemas.microsoft.com/office/powerpoint/2010/main" val="3668017489"/>
               </p:ext>
             </p:extLst>
           </p:nvPr>
         </p:nvGraphicFramePr>
         <p:xfrm>
           <a:off x="324614" y="2852674"/>
-          <a:ext cx="11397404" cy="3296920"/>
+          <a:ext cx="11397405" cy="3114040"/>
         </p:xfrm>
         <a:graphic>
           <a:graphicData uri="http://schemas.openxmlformats.org/drawingml/2006/table">
@@ -5270,31 +5266,38 @@
                 <a:tableStyleId>{69012ECD-51FC-41F1-AA8D-1B2483CD663E}</a:tableStyleId>
               </a:tblPr>
               <a:tblGrid>
-                <a:gridCol w="1520387">
+                <a:gridCol w="1216310">
                   <a:extLst>
                     <a:ext uri="{9D8B030D-6E8A-4147-A177-3AD203B41FA5}">
                       <a16:colId xmlns:a16="http://schemas.microsoft.com/office/drawing/2014/main" val="1365344574"/>
                     </a:ext>
                   </a:extLst>
                 </a:gridCol>
-                <a:gridCol w="2880382">
+                <a:gridCol w="2304306">
                   <a:extLst>
                     <a:ext uri="{9D8B030D-6E8A-4147-A177-3AD203B41FA5}">
                       <a16:colId xmlns:a16="http://schemas.microsoft.com/office/drawing/2014/main" val="1931494702"/>
                     </a:ext>
                   </a:extLst>
                 </a:gridCol>
-                <a:gridCol w="4147284">
+                <a:gridCol w="3317827">
                   <a:extLst>
                     <a:ext uri="{9D8B030D-6E8A-4147-A177-3AD203B41FA5}">
                       <a16:colId xmlns:a16="http://schemas.microsoft.com/office/drawing/2014/main" val="3607176229"/>
                     </a:ext>
                   </a:extLst>
                 </a:gridCol>
-                <a:gridCol w="2849351">
+                <a:gridCol w="2279481">
                   <a:extLst>
                     <a:ext uri="{9D8B030D-6E8A-4147-A177-3AD203B41FA5}">
                       <a16:colId xmlns:a16="http://schemas.microsoft.com/office/drawing/2014/main" val="162312057"/>
+                    </a:ext>
+                  </a:extLst>
+                </a:gridCol>
+                <a:gridCol w="2279481">
+                  <a:extLst>
+                    <a:ext uri="{9D8B030D-6E8A-4147-A177-3AD203B41FA5}">
+                      <a16:colId xmlns:a16="http://schemas.microsoft.com/office/drawing/2014/main" val="2434110392"/>
                     </a:ext>
                   </a:extLst>
                 </a:gridCol>
@@ -5305,7 +5308,7 @@
                     <a:bodyPr/>
                     <a:lstStyle/>
                     <a:p>
-                      <a:endParaRPr lang="de-DE"/>
+                      <a:endParaRPr lang="de-DE" sz="1400"/>
                     </a:p>
                   </a:txBody>
                   <a:tcPr/>
@@ -5316,18 +5319,18 @@
                     <a:lstStyle/>
                     <a:p>
                       <a:r>
-                        <a:rPr lang="de-DE" dirty="0" err="1"/>
+                        <a:rPr lang="de-DE" sz="1400" dirty="0" err="1"/>
                         <a:t>Conda</a:t>
                       </a:r>
                       <a:r>
-                        <a:rPr lang="de-DE" dirty="0"/>
+                        <a:rPr lang="de-DE" sz="1400" dirty="0"/>
                         <a:t> </a:t>
                       </a:r>
                       <a:r>
-                        <a:rPr lang="de-DE" dirty="0" err="1"/>
+                        <a:rPr lang="de-DE" sz="1400" dirty="0" err="1"/>
                         <a:t>Constructor</a:t>
                       </a:r>
-                      <a:endParaRPr lang="de-DE" dirty="0"/>
+                      <a:endParaRPr lang="de-DE" sz="1400" dirty="0"/>
                     </a:p>
                   </a:txBody>
                   <a:tcPr/>
@@ -5338,10 +5341,10 @@
                     <a:lstStyle/>
                     <a:p>
                       <a:r>
-                        <a:rPr lang="de-DE" dirty="0" err="1"/>
+                        <a:rPr lang="de-DE" sz="1400" dirty="0" err="1"/>
                         <a:t>PyInstaller</a:t>
                       </a:r>
-                      <a:endParaRPr lang="de-DE" dirty="0"/>
+                      <a:endParaRPr lang="de-DE" sz="1400" dirty="0"/>
                     </a:p>
                   </a:txBody>
                   <a:tcPr/>
@@ -5352,13 +5355,27 @@
                     <a:lstStyle/>
                     <a:p>
                       <a:r>
-                        <a:rPr lang="de-DE" dirty="0" err="1"/>
+                        <a:rPr lang="de-DE" sz="1400" dirty="0" err="1"/>
                         <a:t>Git</a:t>
                       </a:r>
                       <a:r>
-                        <a:rPr lang="de-DE" dirty="0"/>
+                        <a:rPr lang="de-DE" sz="1400" dirty="0"/>
                         <a:t> Repository</a:t>
                       </a:r>
+                    </a:p>
+                  </a:txBody>
+                  <a:tcPr/>
+                </a:tc>
+                <a:tc>
+                  <a:txBody>
+                    <a:bodyPr/>
+                    <a:lstStyle/>
+                    <a:p>
+                      <a:r>
+                        <a:rPr lang="de-DE" sz="1400" dirty="0" err="1"/>
+                        <a:t>cx_Freeze</a:t>
+                      </a:r>
+                      <a:endParaRPr lang="de-DE" sz="1400" dirty="0"/>
                     </a:p>
                   </a:txBody>
                   <a:tcPr/>
@@ -5376,7 +5393,7 @@
                     <a:lstStyle/>
                     <a:p>
                       <a:r>
-                        <a:rPr lang="de-DE" b="1" dirty="0"/>
+                        <a:rPr lang="de-DE" sz="1400" b="1" dirty="0"/>
                         <a:t>Vorteile</a:t>
                       </a:r>
                     </a:p>
@@ -5393,7 +5410,7 @@
                         <a:buChar char="•"/>
                       </a:pPr>
                       <a:r>
-                        <a:rPr lang="de-DE" dirty="0"/>
+                        <a:rPr lang="de-DE" sz="1400" dirty="0"/>
                         <a:t>Abgeschlossenes Paket mit allen benötigten Dateien</a:t>
                       </a:r>
                     </a:p>
@@ -5403,11 +5420,11 @@
                         <a:buChar char="•"/>
                       </a:pPr>
                       <a:r>
-                        <a:rPr lang="de-DE" dirty="0" err="1"/>
+                        <a:rPr lang="de-DE" sz="1400" dirty="0" err="1"/>
                         <a:t>Anaconda</a:t>
                       </a:r>
                       <a:r>
-                        <a:rPr lang="de-DE" dirty="0"/>
+                        <a:rPr lang="de-DE" sz="1400" dirty="0"/>
                         <a:t> wird mitgeliefert</a:t>
                       </a:r>
                     </a:p>
@@ -5431,7 +5448,7 @@
                         <a:buChar char="•"/>
                       </a:pPr>
                       <a:r>
-                        <a:rPr lang="de-DE" dirty="0"/>
+                        <a:rPr lang="de-DE" sz="1400" dirty="0"/>
                         <a:t>Konstruktion einer Windows-Exe, die die Anwendungslogik beinhaltet</a:t>
                       </a:r>
                     </a:p>
@@ -5441,7 +5458,7 @@
                         <a:buChar char="•"/>
                       </a:pPr>
                       <a:r>
-                        <a:rPr lang="de-DE" dirty="0"/>
+                        <a:rPr lang="de-DE" sz="1400" dirty="0"/>
                         <a:t>Viele Konfigurations-möglichkeiten</a:t>
                       </a:r>
                     </a:p>
@@ -5451,7 +5468,7 @@
                         <a:buChar char="•"/>
                       </a:pPr>
                       <a:r>
-                        <a:rPr lang="de-DE" dirty="0"/>
+                        <a:rPr lang="de-DE" sz="1400" dirty="0"/>
                         <a:t>Unterstützung vieler Pakete</a:t>
                       </a:r>
                     </a:p>
@@ -5461,11 +5478,11 @@
                         <a:buChar char="•"/>
                       </a:pPr>
                       <a:r>
-                        <a:rPr lang="de-DE" dirty="0" err="1"/>
+                        <a:rPr lang="de-DE" sz="1400" dirty="0" err="1"/>
                         <a:t>Anaconda</a:t>
                       </a:r>
                       <a:r>
-                        <a:rPr lang="de-DE" dirty="0"/>
+                        <a:rPr lang="de-DE" sz="1400" dirty="0"/>
                         <a:t> wird nicht benötigt</a:t>
                       </a:r>
                     </a:p>
@@ -5482,7 +5499,7 @@
                         <a:buChar char="•"/>
                       </a:pPr>
                       <a:r>
-                        <a:rPr lang="de-DE" dirty="0"/>
+                        <a:rPr lang="de-DE" sz="1400" dirty="0"/>
                         <a:t>Kompatibel auf vielen verschiedenen Systemen</a:t>
                       </a:r>
                     </a:p>
@@ -5492,8 +5509,69 @@
                         <a:buChar char="•"/>
                       </a:pPr>
                       <a:r>
-                        <a:rPr lang="de-DE" dirty="0"/>
+                        <a:rPr lang="de-DE" sz="1400" dirty="0"/>
                         <a:t>Updates leicht möglich</a:t>
+                      </a:r>
+                    </a:p>
+                  </a:txBody>
+                  <a:tcPr>
+                    <a:solidFill>
+                      <a:schemeClr val="accent1">
+                        <a:lumMod val="40000"/>
+                        <a:lumOff val="60000"/>
+                      </a:schemeClr>
+                    </a:solidFill>
+                  </a:tcPr>
+                </a:tc>
+                <a:tc>
+                  <a:txBody>
+                    <a:bodyPr/>
+                    <a:lstStyle/>
+                    <a:p>
+                      <a:pPr marL="285750" indent="-285750">
+                        <a:buFont typeface="Arial" panose="020B0604020202020204" pitchFamily="34" charset="0"/>
+                        <a:buChar char="•"/>
+                      </a:pPr>
+                      <a:r>
+                        <a:rPr lang="de-DE" sz="1400" dirty="0"/>
+                        <a:t>Erzeugung eines </a:t>
+                      </a:r>
+                      <a:r>
+                        <a:rPr lang="de-DE" sz="1400" dirty="0" err="1"/>
+                        <a:t>Builds</a:t>
+                      </a:r>
+                      <a:r>
+                        <a:rPr lang="de-DE" sz="1400" dirty="0"/>
+                        <a:t> als Binary oder eines </a:t>
+                      </a:r>
+                      <a:r>
+                        <a:rPr lang="de-DE" sz="1400" dirty="0" err="1"/>
+                        <a:t>Installers</a:t>
+                      </a:r>
+                      <a:endParaRPr lang="de-DE" sz="1400" dirty="0"/>
+                    </a:p>
+                    <a:p>
+                      <a:pPr marL="285750" indent="-285750">
+                        <a:buFont typeface="Arial" panose="020B0604020202020204" pitchFamily="34" charset="0"/>
+                        <a:buChar char="•"/>
+                      </a:pPr>
+                      <a:r>
+                        <a:rPr lang="de-DE" sz="1400" dirty="0" err="1"/>
+                        <a:t>Anaconda</a:t>
+                      </a:r>
+                      <a:r>
+                        <a:rPr lang="de-DE" sz="1400" dirty="0"/>
+                        <a:t> wird nicht benötigt</a:t>
+                      </a:r>
+                    </a:p>
+                    <a:p>
+                      <a:pPr marL="285750" indent="-285750">
+                        <a:buFont typeface="Arial" panose="020B0604020202020204" pitchFamily="34" charset="0"/>
+                        <a:buChar char="•"/>
+                      </a:pPr>
+                      <a:r>
+                        <a:rPr lang="de-DE" sz="1400" dirty="0"/>
+                        <a:t>Python wird mit ausgeliefert</a:t>
                       </a:r>
                     </a:p>
                   </a:txBody>
@@ -5519,7 +5597,7 @@
                     <a:lstStyle/>
                     <a:p>
                       <a:r>
-                        <a:rPr lang="de-DE" b="1" dirty="0"/>
+                        <a:rPr lang="de-DE" sz="1400" b="1" dirty="0"/>
                         <a:t>Nachteile</a:t>
                       </a:r>
                     </a:p>
@@ -5536,7 +5614,7 @@
                         <a:buChar char="•"/>
                       </a:pPr>
                       <a:r>
-                        <a:rPr lang="de-DE" dirty="0"/>
+                        <a:rPr lang="de-DE" sz="1400" dirty="0"/>
                         <a:t>Paketiert keine Anwendungslogik, nur das Environment</a:t>
                       </a:r>
                     </a:p>
@@ -5546,7 +5624,7 @@
                         <a:buChar char="•"/>
                       </a:pPr>
                       <a:r>
-                        <a:rPr lang="de-DE" dirty="0"/>
+                        <a:rPr lang="de-DE" sz="1400" dirty="0"/>
                         <a:t>Wenig Konfigurations-möglichkeiten</a:t>
                       </a:r>
                     </a:p>
@@ -5570,15 +5648,15 @@
                         <a:buChar char="•"/>
                       </a:pPr>
                       <a:r>
-                        <a:rPr lang="de-DE" dirty="0"/>
+                        <a:rPr lang="de-DE" sz="1400" dirty="0"/>
                         <a:t>Die meisten Pakete benötigen einen Hook, um mit </a:t>
                       </a:r>
                       <a:r>
-                        <a:rPr lang="de-DE" dirty="0" err="1"/>
+                        <a:rPr lang="de-DE" sz="1400" dirty="0" err="1"/>
                         <a:t>PyInstaller</a:t>
                       </a:r>
                       <a:r>
-                        <a:rPr lang="de-DE" dirty="0"/>
+                        <a:rPr lang="de-DE" sz="1400" dirty="0"/>
                         <a:t> zu funktionieren. Einige Hooks fehlen.</a:t>
                       </a:r>
                     </a:p>
@@ -5595,21 +5673,50 @@
                         <a:buChar char="•"/>
                       </a:pPr>
                       <a:r>
-                        <a:rPr lang="de-DE" dirty="0" err="1"/>
+                        <a:rPr lang="de-DE" sz="1400" dirty="0" err="1"/>
                         <a:t>Anaconda</a:t>
                       </a:r>
                       <a:r>
-                        <a:rPr lang="de-DE" dirty="0"/>
+                        <a:rPr lang="de-DE" sz="1400" dirty="0"/>
                         <a:t>/</a:t>
                       </a:r>
                       <a:r>
-                        <a:rPr lang="de-DE" dirty="0" err="1"/>
+                        <a:rPr lang="de-DE" sz="1400" dirty="0" err="1"/>
                         <a:t>Miniconda</a:t>
                       </a:r>
                       <a:r>
-                        <a:rPr lang="de-DE" dirty="0"/>
+                        <a:rPr lang="de-DE" sz="1400" dirty="0"/>
                         <a:t> muss separat installiert werden</a:t>
                       </a:r>
+                    </a:p>
+                  </a:txBody>
+                  <a:tcPr>
+                    <a:solidFill>
+                      <a:schemeClr val="accent1">
+                        <a:lumMod val="40000"/>
+                        <a:lumOff val="60000"/>
+                      </a:schemeClr>
+                    </a:solidFill>
+                  </a:tcPr>
+                </a:tc>
+                <a:tc>
+                  <a:txBody>
+                    <a:bodyPr/>
+                    <a:lstStyle/>
+                    <a:p>
+                      <a:pPr marL="285750" indent="-285750">
+                        <a:buFont typeface="Arial" panose="020B0604020202020204" pitchFamily="34" charset="0"/>
+                        <a:buChar char="•"/>
+                      </a:pPr>
+                      <a:r>
+                        <a:rPr lang="de-DE" sz="1400" dirty="0"/>
+                        <a:t>Einige Pakete sind nicht kompatibel und müssen manuell </a:t>
+                      </a:r>
+                      <a:r>
+                        <a:rPr lang="de-DE" sz="1400"/>
+                        <a:t>nachgepflegt werden</a:t>
+                      </a:r>
+                      <a:endParaRPr lang="de-DE" sz="1400" dirty="0"/>
                     </a:p>
                   </a:txBody>
                   <a:tcPr>
